--- a/Profile_pics.pptx
+++ b/Profile_pics.pptx
@@ -2991,8 +2991,8 @@
         </p:blipFill>
         <p:spPr>
           <a:xfrm>
-            <a:off x="5493982" y="3512782"/>
-            <a:ext cx="1143075" cy="1143075"/>
+            <a:off x="5791869" y="3532944"/>
+            <a:ext cx="431238" cy="462187"/>
           </a:xfrm>
           <a:prstGeom prst="rect">
             <a:avLst/>
@@ -3001,7 +3001,7 @@
       </p:pic>
       <p:pic>
         <p:nvPicPr>
-          <p:cNvPr id="8" name="Picture 7"/>
+          <p:cNvPr id="9" name="Picture 8"/>
           <p:cNvPicPr>
             <a:picLocks noChangeAspect="1"/>
           </p:cNvPicPr>
@@ -3021,8 +3021,8 @@
         </p:blipFill>
         <p:spPr>
           <a:xfrm>
-            <a:off x="5643389" y="4408077"/>
-            <a:ext cx="594360" cy="594360"/>
+            <a:off x="5827968" y="3263314"/>
+            <a:ext cx="306970" cy="306970"/>
           </a:xfrm>
           <a:prstGeom prst="rect">
             <a:avLst/>
@@ -3031,7 +3031,7 @@
       </p:pic>
       <p:pic>
         <p:nvPicPr>
-          <p:cNvPr id="9" name="Picture 8"/>
+          <p:cNvPr id="2" name="Picture 1"/>
           <p:cNvPicPr>
             <a:picLocks noChangeAspect="1"/>
           </p:cNvPicPr>
@@ -3051,8 +3051,8 @@
         </p:blipFill>
         <p:spPr>
           <a:xfrm>
-            <a:off x="5632960" y="2905276"/>
-            <a:ext cx="705637" cy="705637"/>
+            <a:off x="5496527" y="3135348"/>
+            <a:ext cx="489706" cy="489706"/>
           </a:xfrm>
           <a:prstGeom prst="rect">
             <a:avLst/>
@@ -3061,7 +3061,7 @@
       </p:pic>
       <p:pic>
         <p:nvPicPr>
-          <p:cNvPr id="2" name="Picture 1"/>
+          <p:cNvPr id="3" name="Picture 2"/>
           <p:cNvPicPr>
             <a:picLocks noChangeAspect="1"/>
           </p:cNvPicPr>
@@ -3081,8 +3081,8 @@
         </p:blipFill>
         <p:spPr>
           <a:xfrm>
-            <a:off x="4947826" y="2739298"/>
-            <a:ext cx="1092311" cy="1092311"/>
+            <a:off x="5578180" y="3570284"/>
+            <a:ext cx="316877" cy="341523"/>
           </a:xfrm>
           <a:prstGeom prst="rect">
             <a:avLst/>
@@ -3091,7 +3091,7 @@
       </p:pic>
       <p:pic>
         <p:nvPicPr>
-          <p:cNvPr id="3" name="Picture 2"/>
+          <p:cNvPr id="4" name="Picture 3"/>
           <p:cNvPicPr>
             <a:picLocks noChangeAspect="1"/>
           </p:cNvPicPr>
@@ -3111,8 +3111,68 @@
         </p:blipFill>
         <p:spPr>
           <a:xfrm>
-            <a:off x="4903645" y="3717023"/>
-            <a:ext cx="803118" cy="865582"/>
+            <a:off x="6123205" y="3479795"/>
+            <a:ext cx="346536" cy="346536"/>
+          </a:xfrm>
+          <a:prstGeom prst="rect">
+            <a:avLst/>
+          </a:prstGeom>
+        </p:spPr>
+      </p:pic>
+      <p:pic>
+        <p:nvPicPr>
+          <p:cNvPr id="5" name="Picture 4"/>
+          <p:cNvPicPr>
+            <a:picLocks noChangeAspect="1"/>
+          </p:cNvPicPr>
+          <p:nvPr/>
+        </p:nvPicPr>
+        <p:blipFill>
+          <a:blip r:embed="rId7" cstate="print">
+            <a:extLst>
+              <a:ext uri="{28A0092B-C50C-407E-A947-70E740481C1C}">
+                <a14:useLocalDpi xmlns:a14="http://schemas.microsoft.com/office/drawing/2010/main" val="0"/>
+              </a:ext>
+            </a:extLst>
+          </a:blip>
+          <a:stretch>
+            <a:fillRect/>
+          </a:stretch>
+        </p:blipFill>
+        <p:spPr>
+          <a:xfrm>
+            <a:off x="6177938" y="3672191"/>
+            <a:ext cx="251715" cy="256566"/>
+          </a:xfrm>
+          <a:prstGeom prst="rect">
+            <a:avLst/>
+          </a:prstGeom>
+        </p:spPr>
+      </p:pic>
+      <p:pic>
+        <p:nvPicPr>
+          <p:cNvPr id="6" name="Picture 5"/>
+          <p:cNvPicPr>
+            <a:picLocks noChangeAspect="1"/>
+          </p:cNvPicPr>
+          <p:nvPr/>
+        </p:nvPicPr>
+        <p:blipFill>
+          <a:blip r:embed="rId8" cstate="print">
+            <a:extLst>
+              <a:ext uri="{28A0092B-C50C-407E-A947-70E740481C1C}">
+                <a14:useLocalDpi xmlns:a14="http://schemas.microsoft.com/office/drawing/2010/main" val="0"/>
+              </a:ext>
+            </a:extLst>
+          </a:blip>
+          <a:stretch>
+            <a:fillRect/>
+          </a:stretch>
+        </p:blipFill>
+        <p:spPr>
+          <a:xfrm>
+            <a:off x="6030047" y="3187501"/>
+            <a:ext cx="470855" cy="449458"/>
           </a:xfrm>
           <a:prstGeom prst="rect">
             <a:avLst/>

--- a/Profile_pics.pptx
+++ b/Profile_pics.pptx
@@ -2971,14 +2971,14 @@
       </p:grpSpPr>
       <p:pic>
         <p:nvPicPr>
-          <p:cNvPr id="7" name="Picture 6"/>
+          <p:cNvPr id="10" name="Picture 9"/>
           <p:cNvPicPr>
             <a:picLocks noChangeAspect="1"/>
           </p:cNvPicPr>
           <p:nvPr/>
         </p:nvPicPr>
         <p:blipFill>
-          <a:blip r:embed="rId2" cstate="print">
+          <a:blip r:embed="rId2">
             <a:extLst>
               <a:ext uri="{28A0092B-C50C-407E-A947-70E740481C1C}">
                 <a14:useLocalDpi xmlns:a14="http://schemas.microsoft.com/office/drawing/2010/main" val="0"/>
@@ -2991,8 +2991,8 @@
         </p:blipFill>
         <p:spPr>
           <a:xfrm>
-            <a:off x="5791869" y="3532944"/>
-            <a:ext cx="431238" cy="462187"/>
+            <a:off x="4194623" y="3365757"/>
+            <a:ext cx="3171825" cy="3171825"/>
           </a:xfrm>
           <a:prstGeom prst="rect">
             <a:avLst/>
@@ -3001,14 +3001,14 @@
       </p:pic>
       <p:pic>
         <p:nvPicPr>
-          <p:cNvPr id="9" name="Picture 8"/>
+          <p:cNvPr id="11" name="Picture 10"/>
           <p:cNvPicPr>
             <a:picLocks noChangeAspect="1"/>
           </p:cNvPicPr>
           <p:nvPr/>
         </p:nvPicPr>
         <p:blipFill>
-          <a:blip r:embed="rId3" cstate="print">
+          <a:blip r:embed="rId3">
             <a:extLst>
               <a:ext uri="{28A0092B-C50C-407E-A947-70E740481C1C}">
                 <a14:useLocalDpi xmlns:a14="http://schemas.microsoft.com/office/drawing/2010/main" val="0"/>
@@ -3021,8 +3021,8 @@
         </p:blipFill>
         <p:spPr>
           <a:xfrm>
-            <a:off x="5827968" y="3263314"/>
-            <a:ext cx="306970" cy="306970"/>
+            <a:off x="6357236" y="3912335"/>
+            <a:ext cx="2480829" cy="2480829"/>
           </a:xfrm>
           <a:prstGeom prst="rect">
             <a:avLst/>
@@ -3031,14 +3031,14 @@
       </p:pic>
       <p:pic>
         <p:nvPicPr>
-          <p:cNvPr id="2" name="Picture 1"/>
+          <p:cNvPr id="12" name="Picture 11"/>
           <p:cNvPicPr>
             <a:picLocks noChangeAspect="1"/>
           </p:cNvPicPr>
           <p:nvPr/>
         </p:nvPicPr>
         <p:blipFill>
-          <a:blip r:embed="rId4" cstate="print">
+          <a:blip r:embed="rId4">
             <a:extLst>
               <a:ext uri="{28A0092B-C50C-407E-A947-70E740481C1C}">
                 <a14:useLocalDpi xmlns:a14="http://schemas.microsoft.com/office/drawing/2010/main" val="0"/>
@@ -3051,8 +3051,8 @@
         </p:blipFill>
         <p:spPr>
           <a:xfrm>
-            <a:off x="5496527" y="3135348"/>
-            <a:ext cx="489706" cy="489706"/>
+            <a:off x="4576375" y="2349004"/>
+            <a:ext cx="2502476" cy="2502476"/>
           </a:xfrm>
           <a:prstGeom prst="rect">
             <a:avLst/>
@@ -3061,14 +3061,14 @@
       </p:pic>
       <p:pic>
         <p:nvPicPr>
-          <p:cNvPr id="3" name="Picture 2"/>
+          <p:cNvPr id="13" name="Picture 12"/>
           <p:cNvPicPr>
             <a:picLocks noChangeAspect="1"/>
           </p:cNvPicPr>
           <p:nvPr/>
         </p:nvPicPr>
         <p:blipFill>
-          <a:blip r:embed="rId5" cstate="print">
+          <a:blip r:embed="rId5">
             <a:extLst>
               <a:ext uri="{28A0092B-C50C-407E-A947-70E740481C1C}">
                 <a14:useLocalDpi xmlns:a14="http://schemas.microsoft.com/office/drawing/2010/main" val="0"/>
@@ -3081,8 +3081,8 @@
         </p:blipFill>
         <p:spPr>
           <a:xfrm>
-            <a:off x="5578180" y="3570284"/>
-            <a:ext cx="316877" cy="341523"/>
+            <a:off x="2404839" y="107243"/>
+            <a:ext cx="3938674" cy="3938674"/>
           </a:xfrm>
           <a:prstGeom prst="rect">
             <a:avLst/>
@@ -3091,14 +3091,14 @@
       </p:pic>
       <p:pic>
         <p:nvPicPr>
-          <p:cNvPr id="4" name="Picture 3"/>
+          <p:cNvPr id="14" name="Picture 13"/>
           <p:cNvPicPr>
             <a:picLocks noChangeAspect="1"/>
           </p:cNvPicPr>
           <p:nvPr/>
         </p:nvPicPr>
         <p:blipFill>
-          <a:blip r:embed="rId6" cstate="print">
+          <a:blip r:embed="rId6">
             <a:extLst>
               <a:ext uri="{28A0092B-C50C-407E-A947-70E740481C1C}">
                 <a14:useLocalDpi xmlns:a14="http://schemas.microsoft.com/office/drawing/2010/main" val="0"/>
@@ -3111,8 +3111,8 @@
         </p:blipFill>
         <p:spPr>
           <a:xfrm>
-            <a:off x="6123205" y="3479795"/>
-            <a:ext cx="346536" cy="346536"/>
+            <a:off x="4736968" y="-51577"/>
+            <a:ext cx="3977959" cy="3977959"/>
           </a:xfrm>
           <a:prstGeom prst="rect">
             <a:avLst/>
@@ -3121,14 +3121,14 @@
       </p:pic>
       <p:pic>
         <p:nvPicPr>
-          <p:cNvPr id="5" name="Picture 4"/>
+          <p:cNvPr id="15" name="Picture 14"/>
           <p:cNvPicPr>
             <a:picLocks noChangeAspect="1"/>
           </p:cNvPicPr>
           <p:nvPr/>
         </p:nvPicPr>
         <p:blipFill>
-          <a:blip r:embed="rId7" cstate="print">
+          <a:blip r:embed="rId7">
             <a:extLst>
               <a:ext uri="{28A0092B-C50C-407E-A947-70E740481C1C}">
                 <a14:useLocalDpi xmlns:a14="http://schemas.microsoft.com/office/drawing/2010/main" val="0"/>
@@ -3141,8 +3141,8 @@
         </p:blipFill>
         <p:spPr>
           <a:xfrm>
-            <a:off x="6177938" y="3672191"/>
-            <a:ext cx="251715" cy="256566"/>
+            <a:off x="3402409" y="3540860"/>
+            <a:ext cx="2482922" cy="2676038"/>
           </a:xfrm>
           <a:prstGeom prst="rect">
             <a:avLst/>
@@ -3151,14 +3151,14 @@
       </p:pic>
       <p:pic>
         <p:nvPicPr>
-          <p:cNvPr id="6" name="Picture 5"/>
+          <p:cNvPr id="8" name="Picture 7"/>
           <p:cNvPicPr>
             <a:picLocks noChangeAspect="1"/>
           </p:cNvPicPr>
           <p:nvPr/>
         </p:nvPicPr>
         <p:blipFill>
-          <a:blip r:embed="rId8" cstate="print">
+          <a:blip r:embed="rId8">
             <a:extLst>
               <a:ext uri="{28A0092B-C50C-407E-A947-70E740481C1C}">
                 <a14:useLocalDpi xmlns:a14="http://schemas.microsoft.com/office/drawing/2010/main" val="0"/>
@@ -3171,8 +3171,8 @@
         </p:blipFill>
         <p:spPr>
           <a:xfrm>
-            <a:off x="6030047" y="3187501"/>
-            <a:ext cx="470855" cy="449458"/>
+            <a:off x="6018520" y="2275097"/>
+            <a:ext cx="3124200" cy="3124200"/>
           </a:xfrm>
           <a:prstGeom prst="rect">
             <a:avLst/>
